--- a/ppt/Docker.pptx
+++ b/ppt/Docker.pptx
@@ -5,10 +5,10 @@
     <p:sldMasterId id="2147483653" r:id="rId1"/>
   </p:sldMasterIdLst>
   <p:notesMasterIdLst>
-    <p:notesMasterId r:id="rId33"/>
+    <p:notesMasterId r:id="rId34"/>
   </p:notesMasterIdLst>
   <p:handoutMasterIdLst>
-    <p:handoutMasterId r:id="rId34"/>
+    <p:handoutMasterId r:id="rId35"/>
   </p:handoutMasterIdLst>
   <p:sldIdLst>
     <p:sldId id="264" r:id="rId2"/>
@@ -40,8 +40,9 @@
     <p:sldId id="378" r:id="rId28"/>
     <p:sldId id="379" r:id="rId29"/>
     <p:sldId id="377" r:id="rId30"/>
-    <p:sldId id="374" r:id="rId31"/>
-    <p:sldId id="375" r:id="rId32"/>
+    <p:sldId id="380" r:id="rId31"/>
+    <p:sldId id="374" r:id="rId32"/>
+    <p:sldId id="375" r:id="rId33"/>
   </p:sldIdLst>
   <p:sldSz cx="9144000" cy="6858000" type="screen4x3"/>
   <p:notesSz cx="6648450" cy="9782175"/>
@@ -7561,6 +7562,215 @@
           <p:cNvPr id="2" name="Titre 1">
             <a:extLst>
               <a:ext uri="{FF2B5EF4-FFF2-40B4-BE49-F238E27FC236}">
+                <a16:creationId xmlns:a16="http://schemas.microsoft.com/office/drawing/2014/main" id="{790BF4FC-E890-FA16-9F6E-515C9AC5A45E}"/>
+              </a:ext>
+            </a:extLst>
+          </p:cNvPr>
+          <p:cNvSpPr>
+            <a:spLocks noGrp="1"/>
+          </p:cNvSpPr>
+          <p:nvPr>
+            <p:ph type="title"/>
+          </p:nvPr>
+        </p:nvSpPr>
+        <p:spPr/>
+        <p:txBody>
+          <a:bodyPr/>
+          <a:lstStyle/>
+          <a:p>
+            <a:r>
+              <a:rPr lang="fr-FR" dirty="0"/>
+              <a:t>Docker Hub</a:t>
+            </a:r>
+          </a:p>
+        </p:txBody>
+      </p:sp>
+      <p:sp>
+        <p:nvSpPr>
+          <p:cNvPr id="3" name="Espace réservé du contenu 2">
+            <a:extLst>
+              <a:ext uri="{FF2B5EF4-FFF2-40B4-BE49-F238E27FC236}">
+                <a16:creationId xmlns:a16="http://schemas.microsoft.com/office/drawing/2014/main" id="{D760BF4F-0272-BBEF-BDFF-EF821C0D9158}"/>
+              </a:ext>
+            </a:extLst>
+          </p:cNvPr>
+          <p:cNvSpPr>
+            <a:spLocks noGrp="1"/>
+          </p:cNvSpPr>
+          <p:nvPr>
+            <p:ph idx="1"/>
+          </p:nvPr>
+        </p:nvSpPr>
+        <p:spPr/>
+        <p:txBody>
+          <a:bodyPr/>
+          <a:lstStyle/>
+          <a:p>
+            <a:r>
+              <a:rPr lang="fr-FR" dirty="0"/>
+              <a:t>Permet d’exposer nos images dans le cloud</a:t>
+            </a:r>
+          </a:p>
+          <a:p>
+            <a:pPr lvl="1"/>
+            <a:r>
+              <a:rPr lang="fr-FR" dirty="0"/>
+              <a:t>Très pratique pour </a:t>
+            </a:r>
+            <a:r>
+              <a:rPr lang="fr-FR" dirty="0" err="1"/>
+              <a:t>Kubernetes</a:t>
+            </a:r>
+            <a:endParaRPr lang="fr-FR" dirty="0"/>
+          </a:p>
+          <a:p>
+            <a:pPr lvl="1"/>
+            <a:r>
+              <a:rPr lang="fr-FR" dirty="0"/>
+              <a:t>Enregistrement dans Docker obligatoire</a:t>
+            </a:r>
+          </a:p>
+          <a:p>
+            <a:pPr lvl="1"/>
+            <a:r>
+              <a:rPr lang="fr-FR" dirty="0"/>
+              <a:t>app.docker.com</a:t>
+            </a:r>
+          </a:p>
+          <a:p>
+            <a:pPr lvl="1"/>
+            <a:r>
+              <a:rPr lang="fr-FR" dirty="0"/>
+              <a:t>Créer un repository sur hub.docker.com</a:t>
+            </a:r>
+          </a:p>
+          <a:p>
+            <a:pPr lvl="1"/>
+            <a:r>
+              <a:rPr lang="en-US" dirty="0"/>
+              <a:t>docker build -t &lt;username&gt;/my-repo</a:t>
+            </a:r>
+          </a:p>
+          <a:p>
+            <a:pPr lvl="1"/>
+            <a:r>
+              <a:rPr lang="en-US" dirty="0"/>
+              <a:t>docker run -t &lt;</a:t>
+            </a:r>
+            <a:r>
+              <a:rPr lang="en-US" dirty="0" err="1"/>
+              <a:t>your_username</a:t>
+            </a:r>
+            <a:r>
+              <a:rPr lang="en-US" dirty="0"/>
+              <a:t>&gt;/my-repo</a:t>
+            </a:r>
+          </a:p>
+          <a:p>
+            <a:pPr lvl="1"/>
+            <a:r>
+              <a:rPr lang="en-US" dirty="0"/>
+              <a:t>docker push -t &lt;</a:t>
+            </a:r>
+            <a:r>
+              <a:rPr lang="en-US" dirty="0" err="1"/>
+              <a:t>your_username</a:t>
+            </a:r>
+            <a:r>
+              <a:rPr lang="en-US" dirty="0"/>
+              <a:t>&gt;/my-repo</a:t>
+            </a:r>
+          </a:p>
+          <a:p>
+            <a:r>
+              <a:rPr lang="en-US" dirty="0"/>
+              <a:t>Pour </a:t>
+            </a:r>
+            <a:r>
+              <a:rPr lang="en-US" dirty="0" err="1"/>
+              <a:t>l’utiliser</a:t>
+            </a:r>
+            <a:endParaRPr lang="en-US" dirty="0"/>
+          </a:p>
+          <a:p>
+            <a:pPr lvl="1"/>
+            <a:r>
+              <a:rPr lang="en-US" dirty="0"/>
+              <a:t>Docker pull &lt;</a:t>
+            </a:r>
+            <a:r>
+              <a:rPr lang="en-US" dirty="0" err="1"/>
+              <a:t>your_username</a:t>
+            </a:r>
+            <a:r>
+              <a:rPr lang="en-US" dirty="0"/>
+              <a:t>&gt;/my-repo</a:t>
+            </a:r>
+          </a:p>
+          <a:p>
+            <a:pPr lvl="1"/>
+            <a:r>
+              <a:rPr lang="en-US" dirty="0"/>
+              <a:t>FROM &lt;</a:t>
+            </a:r>
+            <a:r>
+              <a:rPr lang="en-US" dirty="0" err="1"/>
+              <a:t>your_username</a:t>
+            </a:r>
+            <a:r>
+              <a:rPr lang="en-US" dirty="0"/>
+              <a:t>&gt;/my-repo</a:t>
+            </a:r>
+          </a:p>
+          <a:p>
+            <a:pPr lvl="1"/>
+            <a:endParaRPr lang="en-US" dirty="0"/>
+          </a:p>
+          <a:p>
+            <a:pPr lvl="1"/>
+            <a:endParaRPr lang="fr-FR" dirty="0"/>
+          </a:p>
+          <a:p>
+            <a:pPr lvl="1"/>
+            <a:endParaRPr lang="fr-FR" dirty="0"/>
+          </a:p>
+        </p:txBody>
+      </p:sp>
+    </p:spTree>
+    <p:extLst>
+      <p:ext uri="{BB962C8B-B14F-4D97-AF65-F5344CB8AC3E}">
+        <p14:creationId xmlns:p14="http://schemas.microsoft.com/office/powerpoint/2010/main" val="594781729"/>
+      </p:ext>
+    </p:extLst>
+  </p:cSld>
+  <p:clrMapOvr>
+    <a:masterClrMapping/>
+  </p:clrMapOvr>
+</p:sld>
+</file>
+
+<file path=ppt/slides/slide31.xml><?xml version="1.0" encoding="utf-8"?>
+<p:sld xmlns:a="http://schemas.openxmlformats.org/drawingml/2006/main" xmlns:r="http://schemas.openxmlformats.org/officeDocument/2006/relationships" xmlns:p="http://schemas.openxmlformats.org/presentationml/2006/main">
+  <p:cSld>
+    <p:spTree>
+      <p:nvGrpSpPr>
+        <p:cNvPr id="1" name=""/>
+        <p:cNvGrpSpPr/>
+        <p:nvPr/>
+      </p:nvGrpSpPr>
+      <p:grpSpPr>
+        <a:xfrm>
+          <a:off x="0" y="0"/>
+          <a:ext cx="0" cy="0"/>
+          <a:chOff x="0" y="0"/>
+          <a:chExt cx="0" cy="0"/>
+        </a:xfrm>
+      </p:grpSpPr>
+      <p:sp>
+        <p:nvSpPr>
+          <p:cNvPr id="2" name="Titre 1">
+            <a:extLst>
+              <a:ext uri="{FF2B5EF4-FFF2-40B4-BE49-F238E27FC236}">
                 <a16:creationId xmlns:a16="http://schemas.microsoft.com/office/drawing/2014/main" id="{E5613B0B-9EF8-74F1-C658-451136BC2013}"/>
               </a:ext>
             </a:extLst>
@@ -7650,7 +7860,7 @@
 </p:sld>
 </file>
 
-<file path=ppt/slides/slide31.xml><?xml version="1.0" encoding="utf-8"?>
+<file path=ppt/slides/slide32.xml><?xml version="1.0" encoding="utf-8"?>
 <p:sld xmlns:a="http://schemas.openxmlformats.org/drawingml/2006/main" xmlns:r="http://schemas.openxmlformats.org/officeDocument/2006/relationships" xmlns:p="http://schemas.openxmlformats.org/presentationml/2006/main">
   <p:cSld>
     <p:spTree>
